--- a/isoft_linklove_ui/doc/printlove设计模型.pptx
+++ b/isoft_linklove_ui/doc/printlove设计模型.pptx
@@ -4832,7 +4832,7 @@
           <a:p>
             <a:r>
               <a:rPr lang="en-US" altLang="zh-CN"/>
-              <a:t>printlove</a:t>
+              <a:t>link love</a:t>
             </a:r>
             <a:br>
               <a:rPr lang="en-US" altLang="zh-CN"/>
